--- a/05_CinematiqueDuSolide/Applications_04_CentrifugeuseHumaine/png/Figure.pptx
+++ b/05_CinematiqueDuSolide/Applications_04_CentrifugeuseHumaine/png/Figure.pptx
@@ -213,7 +213,7 @@
             <a:fld id="{6667BA71-B846-4725-9733-44CF997FE375}" type="datetimeFigureOut">
               <a:rPr lang="fr-FR" smtClean="0"/>
               <a:pPr/>
-              <a:t>26/11/2013</a:t>
+              <a:t>05/01/2015</a:t>
             </a:fld>
             <a:endParaRPr lang="fr-FR"/>
           </a:p>
@@ -834,7 +834,7 @@
             <a:fld id="{CEE667AA-1165-4D19-A520-0AAEBAFEBFEE}" type="datetimeFigureOut">
               <a:rPr lang="fr-FR" smtClean="0"/>
               <a:pPr/>
-              <a:t>26/11/2013</a:t>
+              <a:t>05/01/2015</a:t>
             </a:fld>
             <a:endParaRPr lang="fr-FR"/>
           </a:p>
@@ -1006,7 +1006,7 @@
             <a:fld id="{CEE667AA-1165-4D19-A520-0AAEBAFEBFEE}" type="datetimeFigureOut">
               <a:rPr lang="fr-FR" smtClean="0"/>
               <a:pPr/>
-              <a:t>26/11/2013</a:t>
+              <a:t>05/01/2015</a:t>
             </a:fld>
             <a:endParaRPr lang="fr-FR"/>
           </a:p>
@@ -1188,7 +1188,7 @@
             <a:fld id="{CEE667AA-1165-4D19-A520-0AAEBAFEBFEE}" type="datetimeFigureOut">
               <a:rPr lang="fr-FR" smtClean="0"/>
               <a:pPr/>
-              <a:t>26/11/2013</a:t>
+              <a:t>05/01/2015</a:t>
             </a:fld>
             <a:endParaRPr lang="fr-FR"/>
           </a:p>
@@ -1360,7 +1360,7 @@
             <a:fld id="{CEE667AA-1165-4D19-A520-0AAEBAFEBFEE}" type="datetimeFigureOut">
               <a:rPr lang="fr-FR" smtClean="0"/>
               <a:pPr/>
-              <a:t>26/11/2013</a:t>
+              <a:t>05/01/2015</a:t>
             </a:fld>
             <a:endParaRPr lang="fr-FR"/>
           </a:p>
@@ -1608,7 +1608,7 @@
             <a:fld id="{CEE667AA-1165-4D19-A520-0AAEBAFEBFEE}" type="datetimeFigureOut">
               <a:rPr lang="fr-FR" smtClean="0"/>
               <a:pPr/>
-              <a:t>26/11/2013</a:t>
+              <a:t>05/01/2015</a:t>
             </a:fld>
             <a:endParaRPr lang="fr-FR"/>
           </a:p>
@@ -1898,7 +1898,7 @@
             <a:fld id="{CEE667AA-1165-4D19-A520-0AAEBAFEBFEE}" type="datetimeFigureOut">
               <a:rPr lang="fr-FR" smtClean="0"/>
               <a:pPr/>
-              <a:t>26/11/2013</a:t>
+              <a:t>05/01/2015</a:t>
             </a:fld>
             <a:endParaRPr lang="fr-FR"/>
           </a:p>
@@ -2322,7 +2322,7 @@
             <a:fld id="{CEE667AA-1165-4D19-A520-0AAEBAFEBFEE}" type="datetimeFigureOut">
               <a:rPr lang="fr-FR" smtClean="0"/>
               <a:pPr/>
-              <a:t>26/11/2013</a:t>
+              <a:t>05/01/2015</a:t>
             </a:fld>
             <a:endParaRPr lang="fr-FR"/>
           </a:p>
@@ -2442,7 +2442,7 @@
             <a:fld id="{CEE667AA-1165-4D19-A520-0AAEBAFEBFEE}" type="datetimeFigureOut">
               <a:rPr lang="fr-FR" smtClean="0"/>
               <a:pPr/>
-              <a:t>26/11/2013</a:t>
+              <a:t>05/01/2015</a:t>
             </a:fld>
             <a:endParaRPr lang="fr-FR"/>
           </a:p>
@@ -2539,7 +2539,7 @@
             <a:fld id="{CEE667AA-1165-4D19-A520-0AAEBAFEBFEE}" type="datetimeFigureOut">
               <a:rPr lang="fr-FR" smtClean="0"/>
               <a:pPr/>
-              <a:t>26/11/2013</a:t>
+              <a:t>05/01/2015</a:t>
             </a:fld>
             <a:endParaRPr lang="fr-FR"/>
           </a:p>
@@ -2818,7 +2818,7 @@
             <a:fld id="{CEE667AA-1165-4D19-A520-0AAEBAFEBFEE}" type="datetimeFigureOut">
               <a:rPr lang="fr-FR" smtClean="0"/>
               <a:pPr/>
-              <a:t>26/11/2013</a:t>
+              <a:t>05/01/2015</a:t>
             </a:fld>
             <a:endParaRPr lang="fr-FR"/>
           </a:p>
@@ -3073,7 +3073,7 @@
             <a:fld id="{CEE667AA-1165-4D19-A520-0AAEBAFEBFEE}" type="datetimeFigureOut">
               <a:rPr lang="fr-FR" smtClean="0"/>
               <a:pPr/>
-              <a:t>26/11/2013</a:t>
+              <a:t>05/01/2015</a:t>
             </a:fld>
             <a:endParaRPr lang="fr-FR"/>
           </a:p>
@@ -3288,7 +3288,7 @@
             <a:fld id="{CEE667AA-1165-4D19-A520-0AAEBAFEBFEE}" type="datetimeFigureOut">
               <a:rPr lang="fr-FR" smtClean="0"/>
               <a:pPr/>
-              <a:t>26/11/2013</a:t>
+              <a:t>05/01/2015</a:t>
             </a:fld>
             <a:endParaRPr lang="fr-FR"/>
           </a:p>
@@ -13154,19 +13154,7 @@
                         <a:rPr lang="fr-FR" sz="1200" b="0" i="1" smtClean="0">
                           <a:latin typeface="Cambria Math"/>
                         </a:rPr>
-                        <m:t>∈(</m:t>
-                      </m:r>
-                      <m:r>
-                        <a:rPr lang="fr-FR" sz="1200" b="0" i="1" smtClean="0">
-                          <a:latin typeface="Cambria Math"/>
-                        </a:rPr>
-                        <m:t>0</m:t>
-                      </m:r>
-                      <m:r>
-                        <a:rPr lang="fr-FR" sz="1200" b="0" i="1" smtClean="0">
-                          <a:latin typeface="Cambria Math"/>
-                        </a:rPr>
-                        <m:t>)</m:t>
+                        <m:t>∈(0)</m:t>
                       </m:r>
                     </m:oMath>
                   </m:oMathPara>
@@ -23188,8 +23176,8 @@
           </a:fontRef>
         </p:style>
       </p:cxnSp>
-      <mc:AlternateContent xmlns:mc="http://schemas.openxmlformats.org/markup-compatibility/2006">
-        <mc:Choice xmlns:a14="http://schemas.microsoft.com/office/drawing/2010/main" Requires="a14">
+      <mc:AlternateContent xmlns:mc="http://schemas.openxmlformats.org/markup-compatibility/2006" xmlns:a14="http://schemas.microsoft.com/office/drawing/2010/main">
+        <mc:Choice Requires="a14">
           <p:sp>
             <p:nvSpPr>
               <p:cNvPr id="13" name="ZoneTexte 12"/>
@@ -23212,6 +23200,7 @@
               </a:bodyPr>
               <a:lstStyle/>
               <a:p>
+                <a:pPr/>
                 <a14:m>
                   <m:oMathPara xmlns:m="http://schemas.openxmlformats.org/officeDocument/2006/math">
                     <m:oMathParaPr>
@@ -23232,7 +23221,7 @@
             </p:txBody>
           </p:sp>
         </mc:Choice>
-        <mc:Fallback>
+        <mc:Fallback xmlns="">
           <p:sp>
             <p:nvSpPr>
               <p:cNvPr id="13" name="ZoneTexte 12"/>
@@ -23271,8 +23260,8 @@
           </p:sp>
         </mc:Fallback>
       </mc:AlternateContent>
-      <mc:AlternateContent xmlns:mc="http://schemas.openxmlformats.org/markup-compatibility/2006">
-        <mc:Choice xmlns:a14="http://schemas.microsoft.com/office/drawing/2010/main" Requires="a14">
+      <mc:AlternateContent xmlns:mc="http://schemas.openxmlformats.org/markup-compatibility/2006" xmlns:a14="http://schemas.microsoft.com/office/drawing/2010/main">
+        <mc:Choice Requires="a14">
           <p:sp>
             <p:nvSpPr>
               <p:cNvPr id="14" name="ZoneTexte 13"/>
@@ -23360,7 +23349,7 @@
             </p:txBody>
           </p:sp>
         </mc:Choice>
-        <mc:Fallback>
+        <mc:Fallback xmlns="">
           <p:sp>
             <p:nvSpPr>
               <p:cNvPr id="14" name="ZoneTexte 13"/>
@@ -23517,8 +23506,8 @@
           </a:fontRef>
         </p:style>
       </p:cxnSp>
-      <mc:AlternateContent xmlns:mc="http://schemas.openxmlformats.org/markup-compatibility/2006">
-        <mc:Choice xmlns:a14="http://schemas.microsoft.com/office/drawing/2010/main" Requires="a14">
+      <mc:AlternateContent xmlns:mc="http://schemas.openxmlformats.org/markup-compatibility/2006" xmlns:a14="http://schemas.microsoft.com/office/drawing/2010/main">
+        <mc:Choice Requires="a14">
           <p:sp>
             <p:nvSpPr>
               <p:cNvPr id="19" name="ZoneTexte 18"/>
@@ -23541,6 +23530,7 @@
               </a:bodyPr>
               <a:lstStyle/>
               <a:p>
+                <a:pPr/>
                 <a14:m>
                   <m:oMathPara xmlns:m="http://schemas.openxmlformats.org/officeDocument/2006/math">
                     <m:oMathParaPr>
@@ -23561,7 +23551,7 @@
             </p:txBody>
           </p:sp>
         </mc:Choice>
-        <mc:Fallback>
+        <mc:Fallback xmlns="">
           <p:sp>
             <p:nvSpPr>
               <p:cNvPr id="19" name="ZoneTexte 18"/>
@@ -23600,8 +23590,8 @@
           </p:sp>
         </mc:Fallback>
       </mc:AlternateContent>
-      <mc:AlternateContent xmlns:mc="http://schemas.openxmlformats.org/markup-compatibility/2006">
-        <mc:Choice xmlns:a14="http://schemas.microsoft.com/office/drawing/2010/main" Requires="a14">
+      <mc:AlternateContent xmlns:mc="http://schemas.openxmlformats.org/markup-compatibility/2006" xmlns:a14="http://schemas.microsoft.com/office/drawing/2010/main">
+        <mc:Choice Requires="a14">
           <p:sp>
             <p:nvSpPr>
               <p:cNvPr id="20" name="ZoneTexte 19"/>
@@ -23713,7 +23703,7 @@
             </p:txBody>
           </p:sp>
         </mc:Choice>
-        <mc:Fallback>
+        <mc:Fallback xmlns="">
           <p:sp>
             <p:nvSpPr>
               <p:cNvPr id="20" name="ZoneTexte 19"/>
@@ -23752,8 +23742,8 @@
           </p:sp>
         </mc:Fallback>
       </mc:AlternateContent>
-      <mc:AlternateContent xmlns:mc="http://schemas.openxmlformats.org/markup-compatibility/2006">
-        <mc:Choice xmlns:a14="http://schemas.microsoft.com/office/drawing/2010/main" Requires="a14">
+      <mc:AlternateContent xmlns:mc="http://schemas.openxmlformats.org/markup-compatibility/2006" xmlns:a14="http://schemas.microsoft.com/office/drawing/2010/main">
+        <mc:Choice Requires="a14">
           <p:sp>
             <p:nvSpPr>
               <p:cNvPr id="23" name="ZoneTexte 22"/>
@@ -23872,7 +23862,7 @@
             </p:txBody>
           </p:sp>
         </mc:Choice>
-        <mc:Fallback>
+        <mc:Fallback xmlns="">
           <p:sp>
             <p:nvSpPr>
               <p:cNvPr id="23" name="ZoneTexte 22"/>
@@ -24029,8 +24019,8 @@
           </a:fontRef>
         </p:style>
       </p:cxnSp>
-      <mc:AlternateContent xmlns:mc="http://schemas.openxmlformats.org/markup-compatibility/2006">
-        <mc:Choice xmlns:a14="http://schemas.microsoft.com/office/drawing/2010/main" Requires="a14">
+      <mc:AlternateContent xmlns:mc="http://schemas.openxmlformats.org/markup-compatibility/2006" xmlns:a14="http://schemas.microsoft.com/office/drawing/2010/main">
+        <mc:Choice Requires="a14">
           <p:sp>
             <p:nvSpPr>
               <p:cNvPr id="28" name="ZoneTexte 27"/>
@@ -24053,6 +24043,7 @@
               </a:bodyPr>
               <a:lstStyle/>
               <a:p>
+                <a:pPr/>
                 <a14:m>
                   <m:oMathPara xmlns:m="http://schemas.openxmlformats.org/officeDocument/2006/math">
                     <m:oMathParaPr>
@@ -24073,7 +24064,7 @@
             </p:txBody>
           </p:sp>
         </mc:Choice>
-        <mc:Fallback>
+        <mc:Fallback xmlns="">
           <p:sp>
             <p:nvSpPr>
               <p:cNvPr id="28" name="ZoneTexte 27"/>
@@ -24112,8 +24103,8 @@
           </p:sp>
         </mc:Fallback>
       </mc:AlternateContent>
-      <mc:AlternateContent xmlns:mc="http://schemas.openxmlformats.org/markup-compatibility/2006">
-        <mc:Choice xmlns:a14="http://schemas.microsoft.com/office/drawing/2010/main" Requires="a14">
+      <mc:AlternateContent xmlns:mc="http://schemas.openxmlformats.org/markup-compatibility/2006" xmlns:a14="http://schemas.microsoft.com/office/drawing/2010/main">
+        <mc:Choice Requires="a14">
           <p:sp>
             <p:nvSpPr>
               <p:cNvPr id="29" name="ZoneTexte 28"/>
@@ -24225,7 +24216,7 @@
             </p:txBody>
           </p:sp>
         </mc:Choice>
-        <mc:Fallback>
+        <mc:Fallback xmlns="">
           <p:sp>
             <p:nvSpPr>
               <p:cNvPr id="29" name="ZoneTexte 28"/>
@@ -24264,8 +24255,8 @@
           </p:sp>
         </mc:Fallback>
       </mc:AlternateContent>
-      <mc:AlternateContent xmlns:mc="http://schemas.openxmlformats.org/markup-compatibility/2006">
-        <mc:Choice xmlns:a14="http://schemas.microsoft.com/office/drawing/2010/main" Requires="a14">
+      <mc:AlternateContent xmlns:mc="http://schemas.openxmlformats.org/markup-compatibility/2006" xmlns:a14="http://schemas.microsoft.com/office/drawing/2010/main">
+        <mc:Choice Requires="a14">
           <p:sp>
             <p:nvSpPr>
               <p:cNvPr id="31" name="ZoneTexte 30"/>
@@ -24380,7 +24371,7 @@
             </p:txBody>
           </p:sp>
         </mc:Choice>
-        <mc:Fallback>
+        <mc:Fallback xmlns="">
           <p:sp>
             <p:nvSpPr>
               <p:cNvPr id="31" name="ZoneTexte 30"/>
@@ -26969,8 +26960,8 @@
           </p:style>
         </p:cxnSp>
       </p:grpSp>
-      <mc:AlternateContent xmlns:mc="http://schemas.openxmlformats.org/markup-compatibility/2006">
-        <mc:Choice xmlns:a14="http://schemas.microsoft.com/office/drawing/2010/main" Requires="a14">
+      <mc:AlternateContent xmlns:mc="http://schemas.openxmlformats.org/markup-compatibility/2006" xmlns:a14="http://schemas.microsoft.com/office/drawing/2010/main">
+        <mc:Choice Requires="a14">
           <p:sp>
             <p:nvSpPr>
               <p:cNvPr id="13" name="ZoneTexte 12"/>
@@ -26993,6 +26984,7 @@
               </a:bodyPr>
               <a:lstStyle/>
               <a:p>
+                <a:pPr/>
                 <a14:m>
                   <m:oMathPara xmlns:m="http://schemas.openxmlformats.org/officeDocument/2006/math">
                     <m:oMathParaPr>
@@ -27013,7 +27005,7 @@
             </p:txBody>
           </p:sp>
         </mc:Choice>
-        <mc:Fallback>
+        <mc:Fallback xmlns="">
           <p:sp>
             <p:nvSpPr>
               <p:cNvPr id="13" name="ZoneTexte 12"/>
@@ -27052,8 +27044,8 @@
           </p:sp>
         </mc:Fallback>
       </mc:AlternateContent>
-      <mc:AlternateContent xmlns:mc="http://schemas.openxmlformats.org/markup-compatibility/2006">
-        <mc:Choice xmlns:a14="http://schemas.microsoft.com/office/drawing/2010/main" Requires="a14">
+      <mc:AlternateContent xmlns:mc="http://schemas.openxmlformats.org/markup-compatibility/2006" xmlns:a14="http://schemas.microsoft.com/office/drawing/2010/main">
+        <mc:Choice Requires="a14">
           <p:sp>
             <p:nvSpPr>
               <p:cNvPr id="14" name="ZoneTexte 13"/>
@@ -27141,7 +27133,7 @@
             </p:txBody>
           </p:sp>
         </mc:Choice>
-        <mc:Fallback>
+        <mc:Fallback xmlns="">
           <p:sp>
             <p:nvSpPr>
               <p:cNvPr id="14" name="ZoneTexte 13"/>
@@ -27298,8 +27290,8 @@
           </a:fontRef>
         </p:style>
       </p:cxnSp>
-      <mc:AlternateContent xmlns:mc="http://schemas.openxmlformats.org/markup-compatibility/2006">
-        <mc:Choice xmlns:a14="http://schemas.microsoft.com/office/drawing/2010/main" Requires="a14">
+      <mc:AlternateContent xmlns:mc="http://schemas.openxmlformats.org/markup-compatibility/2006" xmlns:a14="http://schemas.microsoft.com/office/drawing/2010/main">
+        <mc:Choice Requires="a14">
           <p:sp>
             <p:nvSpPr>
               <p:cNvPr id="19" name="ZoneTexte 18"/>
@@ -27322,6 +27314,7 @@
               </a:bodyPr>
               <a:lstStyle/>
               <a:p>
+                <a:pPr/>
                 <a14:m>
                   <m:oMathPara xmlns:m="http://schemas.openxmlformats.org/officeDocument/2006/math">
                     <m:oMathParaPr>
@@ -27342,7 +27335,7 @@
             </p:txBody>
           </p:sp>
         </mc:Choice>
-        <mc:Fallback>
+        <mc:Fallback xmlns="">
           <p:sp>
             <p:nvSpPr>
               <p:cNvPr id="19" name="ZoneTexte 18"/>
@@ -27381,8 +27374,8 @@
           </p:sp>
         </mc:Fallback>
       </mc:AlternateContent>
-      <mc:AlternateContent xmlns:mc="http://schemas.openxmlformats.org/markup-compatibility/2006">
-        <mc:Choice xmlns:a14="http://schemas.microsoft.com/office/drawing/2010/main" Requires="a14">
+      <mc:AlternateContent xmlns:mc="http://schemas.openxmlformats.org/markup-compatibility/2006" xmlns:a14="http://schemas.microsoft.com/office/drawing/2010/main">
+        <mc:Choice Requires="a14">
           <p:sp>
             <p:nvSpPr>
               <p:cNvPr id="20" name="ZoneTexte 19"/>
@@ -27494,7 +27487,7 @@
             </p:txBody>
           </p:sp>
         </mc:Choice>
-        <mc:Fallback>
+        <mc:Fallback xmlns="">
           <p:sp>
             <p:nvSpPr>
               <p:cNvPr id="20" name="ZoneTexte 19"/>
@@ -27533,8 +27526,8 @@
           </p:sp>
         </mc:Fallback>
       </mc:AlternateContent>
-      <mc:AlternateContent xmlns:mc="http://schemas.openxmlformats.org/markup-compatibility/2006">
-        <mc:Choice xmlns:a14="http://schemas.microsoft.com/office/drawing/2010/main" Requires="a14">
+      <mc:AlternateContent xmlns:mc="http://schemas.openxmlformats.org/markup-compatibility/2006" xmlns:a14="http://schemas.microsoft.com/office/drawing/2010/main">
+        <mc:Choice Requires="a14">
           <p:sp>
             <p:nvSpPr>
               <p:cNvPr id="23" name="ZoneTexte 22"/>
@@ -27649,7 +27642,7 @@
             </p:txBody>
           </p:sp>
         </mc:Choice>
-        <mc:Fallback>
+        <mc:Fallback xmlns="">
           <p:sp>
             <p:nvSpPr>
               <p:cNvPr id="23" name="ZoneTexte 22"/>
@@ -27806,8 +27799,8 @@
           </a:fontRef>
         </p:style>
       </p:cxnSp>
-      <mc:AlternateContent xmlns:mc="http://schemas.openxmlformats.org/markup-compatibility/2006">
-        <mc:Choice xmlns:a14="http://schemas.microsoft.com/office/drawing/2010/main" Requires="a14">
+      <mc:AlternateContent xmlns:mc="http://schemas.openxmlformats.org/markup-compatibility/2006" xmlns:a14="http://schemas.microsoft.com/office/drawing/2010/main">
+        <mc:Choice Requires="a14">
           <p:sp>
             <p:nvSpPr>
               <p:cNvPr id="28" name="ZoneTexte 27"/>
@@ -27830,6 +27823,7 @@
               </a:bodyPr>
               <a:lstStyle/>
               <a:p>
+                <a:pPr/>
                 <a14:m>
                   <m:oMathPara xmlns:m="http://schemas.openxmlformats.org/officeDocument/2006/math">
                     <m:oMathParaPr>
@@ -27850,7 +27844,7 @@
             </p:txBody>
           </p:sp>
         </mc:Choice>
-        <mc:Fallback>
+        <mc:Fallback xmlns="">
           <p:sp>
             <p:nvSpPr>
               <p:cNvPr id="28" name="ZoneTexte 27"/>
@@ -27889,8 +27883,8 @@
           </p:sp>
         </mc:Fallback>
       </mc:AlternateContent>
-      <mc:AlternateContent xmlns:mc="http://schemas.openxmlformats.org/markup-compatibility/2006">
-        <mc:Choice xmlns:a14="http://schemas.microsoft.com/office/drawing/2010/main" Requires="a14">
+      <mc:AlternateContent xmlns:mc="http://schemas.openxmlformats.org/markup-compatibility/2006" xmlns:a14="http://schemas.microsoft.com/office/drawing/2010/main">
+        <mc:Choice Requires="a14">
           <p:sp>
             <p:nvSpPr>
               <p:cNvPr id="29" name="ZoneTexte 28"/>
@@ -28002,7 +27996,7 @@
             </p:txBody>
           </p:sp>
         </mc:Choice>
-        <mc:Fallback>
+        <mc:Fallback xmlns="">
           <p:sp>
             <p:nvSpPr>
               <p:cNvPr id="29" name="ZoneTexte 28"/>
@@ -31909,8 +31903,8 @@
             </a:p>
           </p:txBody>
         </p:sp>
-        <mc:AlternateContent xmlns:mc="http://schemas.openxmlformats.org/markup-compatibility/2006" xmlns:a14="http://schemas.microsoft.com/office/drawing/2010/main">
-          <mc:Choice Requires="a14">
+        <mc:AlternateContent xmlns:mc="http://schemas.openxmlformats.org/markup-compatibility/2006">
+          <mc:Choice xmlns:a14="http://schemas.microsoft.com/office/drawing/2010/main" Requires="a14">
             <p:sp>
               <p:nvSpPr>
                 <p:cNvPr id="43" name="ZoneTexte 42"/>
@@ -31919,7 +31913,7 @@
               </p:nvSpPr>
               <p:spPr>
                 <a:xfrm>
-                  <a:off x="781280" y="2704627"/>
+                  <a:off x="781280" y="2816229"/>
                   <a:ext cx="406906" cy="339645"/>
                 </a:xfrm>
                 <a:prstGeom prst="rect">
@@ -31985,7 +31979,7 @@
               </p:txBody>
             </p:sp>
           </mc:Choice>
-          <mc:Fallback xmlns="">
+          <mc:Fallback>
             <p:sp>
               <p:nvSpPr>
                 <p:cNvPr id="43" name="ZoneTexte 42"/>
@@ -31996,7 +31990,7 @@
               </p:nvSpPr>
               <p:spPr>
                 <a:xfrm>
-                  <a:off x="781280" y="2704627"/>
+                  <a:off x="781280" y="2816229"/>
                   <a:ext cx="406906" cy="339645"/>
                 </a:xfrm>
                 <a:prstGeom prst="rect">
@@ -32808,8 +32802,8 @@
             </a:p>
           </p:txBody>
         </p:sp>
-        <mc:AlternateContent xmlns:mc="http://schemas.openxmlformats.org/markup-compatibility/2006" xmlns:a14="http://schemas.microsoft.com/office/drawing/2010/main">
-          <mc:Choice Requires="a14">
+        <mc:AlternateContent xmlns:mc="http://schemas.openxmlformats.org/markup-compatibility/2006">
+          <mc:Choice xmlns:a14="http://schemas.microsoft.com/office/drawing/2010/main" Requires="a14">
             <p:sp>
               <p:nvSpPr>
                 <p:cNvPr id="71" name="ZoneTexte 70"/>
@@ -32818,7 +32812,7 @@
               </p:nvSpPr>
               <p:spPr>
                 <a:xfrm>
-                  <a:off x="781280" y="2704627"/>
+                  <a:off x="781280" y="2808505"/>
                   <a:ext cx="361317" cy="332463"/>
                 </a:xfrm>
                 <a:prstGeom prst="rect">
@@ -32884,7 +32878,7 @@
               </p:txBody>
             </p:sp>
           </mc:Choice>
-          <mc:Fallback xmlns="">
+          <mc:Fallback>
             <p:sp>
               <p:nvSpPr>
                 <p:cNvPr id="71" name="ZoneTexte 70"/>
@@ -32895,7 +32889,7 @@
               </p:nvSpPr>
               <p:spPr>
                 <a:xfrm>
-                  <a:off x="781280" y="2704627"/>
+                  <a:off x="781280" y="2808505"/>
                   <a:ext cx="361317" cy="332463"/>
                 </a:xfrm>
                 <a:prstGeom prst="rect">
@@ -33485,6 +33479,236 @@
             </p:sp>
           </mc:Fallback>
         </mc:AlternateContent>
+      </p:grpSp>
+      <p:grpSp>
+        <p:nvGrpSpPr>
+          <p:cNvPr id="6" name="Groupe 5"/>
+          <p:cNvGrpSpPr/>
+          <p:nvPr/>
+        </p:nvGrpSpPr>
+        <p:grpSpPr>
+          <a:xfrm>
+            <a:off x="855080" y="2600205"/>
+            <a:ext cx="216024" cy="216024"/>
+            <a:chOff x="855080" y="2600205"/>
+            <a:chExt cx="216024" cy="216024"/>
+          </a:xfrm>
+        </p:grpSpPr>
+        <p:sp>
+          <p:nvSpPr>
+            <p:cNvPr id="2" name="Ellipse 1"/>
+            <p:cNvSpPr/>
+            <p:nvPr/>
+          </p:nvSpPr>
+          <p:spPr>
+            <a:xfrm>
+              <a:off x="855080" y="2600205"/>
+              <a:ext cx="216024" cy="216024"/>
+            </a:xfrm>
+            <a:prstGeom prst="ellipse">
+              <a:avLst/>
+            </a:prstGeom>
+            <a:solidFill>
+              <a:schemeClr val="bg1"/>
+            </a:solidFill>
+            <a:ln w="28575">
+              <a:solidFill>
+                <a:schemeClr val="bg1">
+                  <a:lumMod val="50000"/>
+                </a:schemeClr>
+              </a:solidFill>
+              <a:tailEnd type="stealth" w="med" len="lg"/>
+            </a:ln>
+          </p:spPr>
+          <p:style>
+            <a:lnRef idx="1">
+              <a:schemeClr val="accent1"/>
+            </a:lnRef>
+            <a:fillRef idx="0">
+              <a:schemeClr val="accent1"/>
+            </a:fillRef>
+            <a:effectRef idx="0">
+              <a:schemeClr val="accent1"/>
+            </a:effectRef>
+            <a:fontRef idx="minor">
+              <a:schemeClr val="tx1"/>
+            </a:fontRef>
+          </p:style>
+          <p:txBody>
+            <a:bodyPr rtlCol="0" anchor="ctr"/>
+            <a:lstStyle/>
+            <a:p>
+              <a:pPr algn="ctr"/>
+              <a:endParaRPr lang="fr-FR"/>
+            </a:p>
+          </p:txBody>
+        </p:sp>
+        <p:sp>
+          <p:nvSpPr>
+            <p:cNvPr id="29" name="Ellipse 28"/>
+            <p:cNvSpPr/>
+            <p:nvPr/>
+          </p:nvSpPr>
+          <p:spPr>
+            <a:xfrm flipH="1">
+              <a:off x="940232" y="2688103"/>
+              <a:ext cx="45720" cy="45720"/>
+            </a:xfrm>
+            <a:prstGeom prst="ellipse">
+              <a:avLst/>
+            </a:prstGeom>
+            <a:solidFill>
+              <a:schemeClr val="bg1">
+                <a:lumMod val="50000"/>
+              </a:schemeClr>
+            </a:solidFill>
+            <a:ln w="28575">
+              <a:solidFill>
+                <a:schemeClr val="bg1">
+                  <a:lumMod val="50000"/>
+                </a:schemeClr>
+              </a:solidFill>
+              <a:tailEnd type="stealth" w="med" len="lg"/>
+            </a:ln>
+          </p:spPr>
+          <p:style>
+            <a:lnRef idx="1">
+              <a:schemeClr val="accent1"/>
+            </a:lnRef>
+            <a:fillRef idx="0">
+              <a:schemeClr val="accent1"/>
+            </a:fillRef>
+            <a:effectRef idx="0">
+              <a:schemeClr val="accent1"/>
+            </a:effectRef>
+            <a:fontRef idx="minor">
+              <a:schemeClr val="tx1"/>
+            </a:fontRef>
+          </p:style>
+          <p:txBody>
+            <a:bodyPr rtlCol="0" anchor="ctr"/>
+            <a:lstStyle/>
+            <a:p>
+              <a:pPr algn="ctr"/>
+              <a:endParaRPr lang="fr-FR"/>
+            </a:p>
+          </p:txBody>
+        </p:sp>
+      </p:grpSp>
+      <p:grpSp>
+        <p:nvGrpSpPr>
+          <p:cNvPr id="31" name="Groupe 30"/>
+          <p:cNvGrpSpPr/>
+          <p:nvPr/>
+        </p:nvGrpSpPr>
+        <p:grpSpPr>
+          <a:xfrm>
+            <a:off x="2973641" y="2602951"/>
+            <a:ext cx="216024" cy="216024"/>
+            <a:chOff x="855080" y="2600205"/>
+            <a:chExt cx="216024" cy="216024"/>
+          </a:xfrm>
+        </p:grpSpPr>
+        <p:sp>
+          <p:nvSpPr>
+            <p:cNvPr id="32" name="Ellipse 31"/>
+            <p:cNvSpPr/>
+            <p:nvPr/>
+          </p:nvSpPr>
+          <p:spPr>
+            <a:xfrm>
+              <a:off x="855080" y="2600205"/>
+              <a:ext cx="216024" cy="216024"/>
+            </a:xfrm>
+            <a:prstGeom prst="ellipse">
+              <a:avLst/>
+            </a:prstGeom>
+            <a:solidFill>
+              <a:schemeClr val="bg1"/>
+            </a:solidFill>
+            <a:ln w="28575">
+              <a:solidFill>
+                <a:schemeClr val="bg1">
+                  <a:lumMod val="50000"/>
+                </a:schemeClr>
+              </a:solidFill>
+              <a:tailEnd type="stealth" w="med" len="lg"/>
+            </a:ln>
+          </p:spPr>
+          <p:style>
+            <a:lnRef idx="1">
+              <a:schemeClr val="accent1"/>
+            </a:lnRef>
+            <a:fillRef idx="0">
+              <a:schemeClr val="accent1"/>
+            </a:fillRef>
+            <a:effectRef idx="0">
+              <a:schemeClr val="accent1"/>
+            </a:effectRef>
+            <a:fontRef idx="minor">
+              <a:schemeClr val="tx1"/>
+            </a:fontRef>
+          </p:style>
+          <p:txBody>
+            <a:bodyPr rtlCol="0" anchor="ctr"/>
+            <a:lstStyle/>
+            <a:p>
+              <a:pPr algn="ctr"/>
+              <a:endParaRPr lang="fr-FR"/>
+            </a:p>
+          </p:txBody>
+        </p:sp>
+        <p:sp>
+          <p:nvSpPr>
+            <p:cNvPr id="33" name="Ellipse 32"/>
+            <p:cNvSpPr/>
+            <p:nvPr/>
+          </p:nvSpPr>
+          <p:spPr>
+            <a:xfrm flipH="1">
+              <a:off x="940232" y="2688103"/>
+              <a:ext cx="45720" cy="45720"/>
+            </a:xfrm>
+            <a:prstGeom prst="ellipse">
+              <a:avLst/>
+            </a:prstGeom>
+            <a:solidFill>
+              <a:schemeClr val="bg1">
+                <a:lumMod val="50000"/>
+              </a:schemeClr>
+            </a:solidFill>
+            <a:ln w="28575">
+              <a:solidFill>
+                <a:schemeClr val="bg1">
+                  <a:lumMod val="50000"/>
+                </a:schemeClr>
+              </a:solidFill>
+              <a:tailEnd type="stealth" w="med" len="lg"/>
+            </a:ln>
+          </p:spPr>
+          <p:style>
+            <a:lnRef idx="1">
+              <a:schemeClr val="accent1"/>
+            </a:lnRef>
+            <a:fillRef idx="0">
+              <a:schemeClr val="accent1"/>
+            </a:fillRef>
+            <a:effectRef idx="0">
+              <a:schemeClr val="accent1"/>
+            </a:effectRef>
+            <a:fontRef idx="minor">
+              <a:schemeClr val="tx1"/>
+            </a:fontRef>
+          </p:style>
+          <p:txBody>
+            <a:bodyPr rtlCol="0" anchor="ctr"/>
+            <a:lstStyle/>
+            <a:p>
+              <a:pPr algn="ctr"/>
+              <a:endParaRPr lang="fr-FR"/>
+            </a:p>
+          </p:txBody>
+        </p:sp>
       </p:grpSp>
     </p:spTree>
     <p:extLst>
